--- a/media/Project-1.pptx
+++ b/media/Project-1.pptx
@@ -8,12 +8,14 @@
     <p:sldId id="256" r:id="rId2"/>
     <p:sldId id="257" r:id="rId3"/>
     <p:sldId id="258" r:id="rId4"/>
-    <p:sldId id="259" r:id="rId5"/>
-    <p:sldId id="260" r:id="rId6"/>
-    <p:sldId id="261" r:id="rId7"/>
-    <p:sldId id="262" r:id="rId8"/>
-    <p:sldId id="263" r:id="rId9"/>
-    <p:sldId id="264" r:id="rId10"/>
+    <p:sldId id="266" r:id="rId5"/>
+    <p:sldId id="259" r:id="rId6"/>
+    <p:sldId id="260" r:id="rId7"/>
+    <p:sldId id="261" r:id="rId8"/>
+    <p:sldId id="262" r:id="rId9"/>
+    <p:sldId id="263" r:id="rId10"/>
+    <p:sldId id="264" r:id="rId11"/>
+    <p:sldId id="265" r:id="rId12"/>
   </p:sldIdLst>
   <p:sldSz cx="12192000" cy="6858000"/>
   <p:notesSz cx="6858000" cy="9144000"/>
@@ -6093,6 +6095,681 @@
 </p:sld>
 </file>
 
+<file path=ppt/slides/slide10.xml><?xml version="1.0" encoding="utf-8"?>
+<p:sld xmlns:a="http://schemas.openxmlformats.org/drawingml/2006/main" xmlns:r="http://schemas.openxmlformats.org/officeDocument/2006/relationships" xmlns:p="http://schemas.openxmlformats.org/presentationml/2006/main">
+  <p:cSld>
+    <p:spTree>
+      <p:nvGrpSpPr>
+        <p:cNvPr id="1" name=""/>
+        <p:cNvGrpSpPr/>
+        <p:nvPr/>
+      </p:nvGrpSpPr>
+      <p:grpSpPr>
+        <a:xfrm>
+          <a:off x="0" y="0"/>
+          <a:ext cx="0" cy="0"/>
+          <a:chOff x="0" y="0"/>
+          <a:chExt cx="0" cy="0"/>
+        </a:xfrm>
+      </p:grpSpPr>
+      <p:sp>
+        <p:nvSpPr>
+          <p:cNvPr id="2" name="Title 1">
+            <a:extLst>
+              <a:ext uri="{FF2B5EF4-FFF2-40B4-BE49-F238E27FC236}">
+                <a16:creationId xmlns:a16="http://schemas.microsoft.com/office/drawing/2014/main" id="{0A3502AC-0EE0-53DA-E866-2FAF2903AB0D}"/>
+              </a:ext>
+            </a:extLst>
+          </p:cNvPr>
+          <p:cNvSpPr>
+            <a:spLocks noGrp="1"/>
+          </p:cNvSpPr>
+          <p:nvPr>
+            <p:ph type="title"/>
+          </p:nvPr>
+        </p:nvSpPr>
+        <p:spPr>
+          <a:xfrm>
+            <a:off x="2305878" y="764373"/>
+            <a:ext cx="9200322" cy="1293028"/>
+          </a:xfrm>
+        </p:spPr>
+        <p:txBody>
+          <a:bodyPr/>
+          <a:lstStyle/>
+          <a:p>
+            <a:r>
+              <a:rPr lang="en-US" dirty="0"/>
+              <a:t>Next Step: How can we improve?</a:t>
+            </a:r>
+          </a:p>
+        </p:txBody>
+      </p:sp>
+      <p:sp>
+        <p:nvSpPr>
+          <p:cNvPr id="3" name="Content Placeholder 2">
+            <a:extLst>
+              <a:ext uri="{FF2B5EF4-FFF2-40B4-BE49-F238E27FC236}">
+                <a16:creationId xmlns:a16="http://schemas.microsoft.com/office/drawing/2014/main" id="{DA65FAAB-5A5C-8A44-946F-DC1C46B71E07}"/>
+              </a:ext>
+            </a:extLst>
+          </p:cNvPr>
+          <p:cNvSpPr>
+            <a:spLocks noGrp="1"/>
+          </p:cNvSpPr>
+          <p:nvPr>
+            <p:ph idx="1"/>
+          </p:nvPr>
+        </p:nvSpPr>
+        <p:spPr/>
+        <p:txBody>
+          <a:bodyPr/>
+          <a:lstStyle/>
+          <a:p>
+            <a:r>
+              <a:rPr lang="en-US" dirty="0"/>
+              <a:t>Save results beyond local storage and allow users to ”share” populated data</a:t>
+            </a:r>
+          </a:p>
+          <a:p>
+            <a:r>
+              <a:rPr lang="en-US" dirty="0"/>
+              <a:t>Populated results appearing as hyperlinks to direct users to that particular site</a:t>
+            </a:r>
+          </a:p>
+          <a:p>
+            <a:r>
+              <a:rPr lang="en-US" dirty="0"/>
+              <a:t>Allowing users to customize their search list with multiple categories</a:t>
+            </a:r>
+          </a:p>
+          <a:p>
+            <a:r>
+              <a:rPr lang="en-US" dirty="0"/>
+              <a:t>Have search results “empty” when a new search is run instead of having user click the “refresh” button</a:t>
+            </a:r>
+          </a:p>
+          <a:p>
+            <a:r>
+              <a:rPr lang="en-US" dirty="0"/>
+              <a:t>Animations on background image and “backdrop in”</a:t>
+            </a:r>
+          </a:p>
+          <a:p>
+            <a:r>
+              <a:rPr lang="en-US" dirty="0"/>
+              <a:t>Additional categories for things such as “bodies of water” etc.</a:t>
+            </a:r>
+          </a:p>
+          <a:p>
+            <a:r>
+              <a:rPr lang="en-US" dirty="0"/>
+              <a:t>Weather tracker for the local area user searches</a:t>
+            </a:r>
+          </a:p>
+        </p:txBody>
+      </p:sp>
+    </p:spTree>
+    <p:extLst>
+      <p:ext uri="{BB962C8B-B14F-4D97-AF65-F5344CB8AC3E}">
+        <p14:creationId xmlns:p14="http://schemas.microsoft.com/office/powerpoint/2010/main" val="170606747"/>
+      </p:ext>
+    </p:extLst>
+  </p:cSld>
+  <p:clrMapOvr>
+    <a:masterClrMapping/>
+  </p:clrMapOvr>
+</p:sld>
+</file>
+
+<file path=ppt/slides/slide11.xml><?xml version="1.0" encoding="utf-8"?>
+<p:sld xmlns:a="http://schemas.openxmlformats.org/drawingml/2006/main" xmlns:r="http://schemas.openxmlformats.org/officeDocument/2006/relationships" xmlns:p="http://schemas.openxmlformats.org/presentationml/2006/main">
+  <p:cSld>
+    <p:spTree>
+      <p:nvGrpSpPr>
+        <p:cNvPr id="1" name=""/>
+        <p:cNvGrpSpPr/>
+        <p:nvPr/>
+      </p:nvGrpSpPr>
+      <p:grpSpPr>
+        <a:xfrm>
+          <a:off x="0" y="0"/>
+          <a:ext cx="0" cy="0"/>
+          <a:chOff x="0" y="0"/>
+          <a:chExt cx="0" cy="0"/>
+        </a:xfrm>
+      </p:grpSpPr>
+      <p:sp>
+        <p:nvSpPr>
+          <p:cNvPr id="2" name="Title 1">
+            <a:extLst>
+              <a:ext uri="{FF2B5EF4-FFF2-40B4-BE49-F238E27FC236}">
+                <a16:creationId xmlns:a16="http://schemas.microsoft.com/office/drawing/2014/main" id="{CF8BD8E2-039C-13BC-C081-1ED1A16CD763}"/>
+              </a:ext>
+            </a:extLst>
+          </p:cNvPr>
+          <p:cNvSpPr>
+            <a:spLocks noGrp="1"/>
+          </p:cNvSpPr>
+          <p:nvPr>
+            <p:ph type="title"/>
+          </p:nvPr>
+        </p:nvSpPr>
+        <p:spPr/>
+        <p:txBody>
+          <a:bodyPr/>
+          <a:lstStyle/>
+          <a:p>
+            <a:r>
+              <a:rPr lang="en-US" dirty="0"/>
+              <a:t>Credits</a:t>
+            </a:r>
+          </a:p>
+        </p:txBody>
+      </p:sp>
+      <p:sp>
+        <p:nvSpPr>
+          <p:cNvPr id="3" name="Content Placeholder 2">
+            <a:extLst>
+              <a:ext uri="{FF2B5EF4-FFF2-40B4-BE49-F238E27FC236}">
+                <a16:creationId xmlns:a16="http://schemas.microsoft.com/office/drawing/2014/main" id="{159A9AA4-88D1-144E-52CA-BC5D11636650}"/>
+              </a:ext>
+            </a:extLst>
+          </p:cNvPr>
+          <p:cNvSpPr>
+            <a:spLocks noGrp="1"/>
+          </p:cNvSpPr>
+          <p:nvPr>
+            <p:ph idx="1"/>
+          </p:nvPr>
+        </p:nvSpPr>
+        <p:spPr/>
+        <p:txBody>
+          <a:bodyPr/>
+          <a:lstStyle/>
+          <a:p>
+            <a:r>
+              <a:rPr lang="en-US" dirty="0"/>
+              <a:t>W3schools</a:t>
+            </a:r>
+          </a:p>
+          <a:p>
+            <a:r>
+              <a:rPr lang="en-US" dirty="0" err="1"/>
+              <a:t>StackOverflow</a:t>
+            </a:r>
+            <a:endParaRPr lang="en-US" dirty="0"/>
+          </a:p>
+          <a:p>
+            <a:r>
+              <a:rPr lang="en-US" dirty="0"/>
+              <a:t>Google </a:t>
+            </a:r>
+            <a:r>
+              <a:rPr lang="en-US" dirty="0">
+                <a:sym typeface="Wingdings" pitchFamily="2" charset="2"/>
+              </a:rPr>
+              <a:t></a:t>
+            </a:r>
+          </a:p>
+          <a:p>
+            <a:r>
+              <a:rPr lang="en-US" dirty="0">
+                <a:sym typeface="Wingdings" pitchFamily="2" charset="2"/>
+              </a:rPr>
+              <a:t>Bootstrap (thanks twitter!)</a:t>
+            </a:r>
+          </a:p>
+          <a:p>
+            <a:r>
+              <a:rPr lang="en-US" dirty="0">
+                <a:sym typeface="Wingdings" pitchFamily="2" charset="2"/>
+              </a:rPr>
+              <a:t>Our wonderful TA’s</a:t>
+            </a:r>
+          </a:p>
+          <a:p>
+            <a:r>
+              <a:rPr lang="en-US" dirty="0" err="1">
+                <a:sym typeface="Wingdings" pitchFamily="2" charset="2"/>
+              </a:rPr>
+              <a:t>Github</a:t>
+            </a:r>
+            <a:r>
+              <a:rPr lang="en-US" dirty="0">
+                <a:sym typeface="Wingdings" pitchFamily="2" charset="2"/>
+              </a:rPr>
+              <a:t>…</a:t>
+            </a:r>
+          </a:p>
+          <a:p>
+            <a:r>
+              <a:rPr lang="en-US" dirty="0">
+                <a:sym typeface="Wingdings" pitchFamily="2" charset="2"/>
+              </a:rPr>
+              <a:t>Teamwork!</a:t>
+            </a:r>
+          </a:p>
+        </p:txBody>
+      </p:sp>
+    </p:spTree>
+    <p:extLst>
+      <p:ext uri="{BB962C8B-B14F-4D97-AF65-F5344CB8AC3E}">
+        <p14:creationId xmlns:p14="http://schemas.microsoft.com/office/powerpoint/2010/main" val="1201400074"/>
+      </p:ext>
+    </p:extLst>
+  </p:cSld>
+  <p:clrMapOvr>
+    <a:masterClrMapping/>
+  </p:clrMapOvr>
+  <p:timing>
+    <p:tnLst>
+      <p:par>
+        <p:cTn id="1" dur="indefinite" restart="never" nodeType="tmRoot">
+          <p:childTnLst>
+            <p:seq concurrent="1" nextAc="seek">
+              <p:cTn id="2" dur="indefinite" nodeType="mainSeq">
+                <p:childTnLst>
+                  <p:par>
+                    <p:cTn id="3" fill="hold">
+                      <p:stCondLst>
+                        <p:cond delay="indefinite"/>
+                      </p:stCondLst>
+                      <p:childTnLst>
+                        <p:par>
+                          <p:cTn id="4" fill="hold">
+                            <p:stCondLst>
+                              <p:cond delay="0"/>
+                            </p:stCondLst>
+                            <p:childTnLst>
+                              <p:par>
+                                <p:cTn id="5" presetID="10" presetClass="entr" presetSubtype="0" fill="hold" grpId="0" nodeType="clickEffect">
+                                  <p:stCondLst>
+                                    <p:cond delay="0"/>
+                                  </p:stCondLst>
+                                  <p:childTnLst>
+                                    <p:set>
+                                      <p:cBhvr>
+                                        <p:cTn id="6" dur="1" fill="hold">
+                                          <p:stCondLst>
+                                            <p:cond delay="0"/>
+                                          </p:stCondLst>
+                                        </p:cTn>
+                                        <p:tgtEl>
+                                          <p:spTgt spid="2"/>
+                                        </p:tgtEl>
+                                        <p:attrNameLst>
+                                          <p:attrName>style.visibility</p:attrName>
+                                        </p:attrNameLst>
+                                      </p:cBhvr>
+                                      <p:to>
+                                        <p:strVal val="visible"/>
+                                      </p:to>
+                                    </p:set>
+                                    <p:animEffect transition="in" filter="fade">
+                                      <p:cBhvr>
+                                        <p:cTn id="7" dur="500"/>
+                                        <p:tgtEl>
+                                          <p:spTgt spid="2"/>
+                                        </p:tgtEl>
+                                      </p:cBhvr>
+                                    </p:animEffect>
+                                  </p:childTnLst>
+                                </p:cTn>
+                              </p:par>
+                            </p:childTnLst>
+                          </p:cTn>
+                        </p:par>
+                      </p:childTnLst>
+                    </p:cTn>
+                  </p:par>
+                  <p:par>
+                    <p:cTn id="8" fill="hold">
+                      <p:stCondLst>
+                        <p:cond delay="indefinite"/>
+                      </p:stCondLst>
+                      <p:childTnLst>
+                        <p:par>
+                          <p:cTn id="9" fill="hold">
+                            <p:stCondLst>
+                              <p:cond delay="0"/>
+                            </p:stCondLst>
+                            <p:childTnLst>
+                              <p:par>
+                                <p:cTn id="10" presetID="22" presetClass="entr" presetSubtype="4" fill="hold" nodeType="clickEffect">
+                                  <p:stCondLst>
+                                    <p:cond delay="0"/>
+                                  </p:stCondLst>
+                                  <p:childTnLst>
+                                    <p:set>
+                                      <p:cBhvr>
+                                        <p:cTn id="11" dur="1" fill="hold">
+                                          <p:stCondLst>
+                                            <p:cond delay="0"/>
+                                          </p:stCondLst>
+                                        </p:cTn>
+                                        <p:tgtEl>
+                                          <p:spTgt spid="3">
+                                            <p:txEl>
+                                              <p:pRg st="0" end="0"/>
+                                            </p:txEl>
+                                          </p:spTgt>
+                                        </p:tgtEl>
+                                        <p:attrNameLst>
+                                          <p:attrName>style.visibility</p:attrName>
+                                        </p:attrNameLst>
+                                      </p:cBhvr>
+                                      <p:to>
+                                        <p:strVal val="visible"/>
+                                      </p:to>
+                                    </p:set>
+                                    <p:animEffect transition="in" filter="wipe(down)">
+                                      <p:cBhvr>
+                                        <p:cTn id="12" dur="500"/>
+                                        <p:tgtEl>
+                                          <p:spTgt spid="3">
+                                            <p:txEl>
+                                              <p:pRg st="0" end="0"/>
+                                            </p:txEl>
+                                          </p:spTgt>
+                                        </p:tgtEl>
+                                      </p:cBhvr>
+                                    </p:animEffect>
+                                  </p:childTnLst>
+                                </p:cTn>
+                              </p:par>
+                              <p:par>
+                                <p:cTn id="13" presetID="22" presetClass="entr" presetSubtype="4" fill="hold" nodeType="withEffect">
+                                  <p:stCondLst>
+                                    <p:cond delay="0"/>
+                                  </p:stCondLst>
+                                  <p:childTnLst>
+                                    <p:set>
+                                      <p:cBhvr>
+                                        <p:cTn id="14" dur="1" fill="hold">
+                                          <p:stCondLst>
+                                            <p:cond delay="0"/>
+                                          </p:stCondLst>
+                                        </p:cTn>
+                                        <p:tgtEl>
+                                          <p:spTgt spid="3">
+                                            <p:txEl>
+                                              <p:pRg st="1" end="1"/>
+                                            </p:txEl>
+                                          </p:spTgt>
+                                        </p:tgtEl>
+                                        <p:attrNameLst>
+                                          <p:attrName>style.visibility</p:attrName>
+                                        </p:attrNameLst>
+                                      </p:cBhvr>
+                                      <p:to>
+                                        <p:strVal val="visible"/>
+                                      </p:to>
+                                    </p:set>
+                                    <p:animEffect transition="in" filter="wipe(down)">
+                                      <p:cBhvr>
+                                        <p:cTn id="15" dur="500"/>
+                                        <p:tgtEl>
+                                          <p:spTgt spid="3">
+                                            <p:txEl>
+                                              <p:pRg st="1" end="1"/>
+                                            </p:txEl>
+                                          </p:spTgt>
+                                        </p:tgtEl>
+                                      </p:cBhvr>
+                                    </p:animEffect>
+                                  </p:childTnLst>
+                                </p:cTn>
+                              </p:par>
+                              <p:par>
+                                <p:cTn id="16" presetID="22" presetClass="entr" presetSubtype="4" fill="hold" nodeType="withEffect">
+                                  <p:stCondLst>
+                                    <p:cond delay="0"/>
+                                  </p:stCondLst>
+                                  <p:childTnLst>
+                                    <p:set>
+                                      <p:cBhvr>
+                                        <p:cTn id="17" dur="1" fill="hold">
+                                          <p:stCondLst>
+                                            <p:cond delay="0"/>
+                                          </p:stCondLst>
+                                        </p:cTn>
+                                        <p:tgtEl>
+                                          <p:spTgt spid="3">
+                                            <p:txEl>
+                                              <p:pRg st="2" end="2"/>
+                                            </p:txEl>
+                                          </p:spTgt>
+                                        </p:tgtEl>
+                                        <p:attrNameLst>
+                                          <p:attrName>style.visibility</p:attrName>
+                                        </p:attrNameLst>
+                                      </p:cBhvr>
+                                      <p:to>
+                                        <p:strVal val="visible"/>
+                                      </p:to>
+                                    </p:set>
+                                    <p:animEffect transition="in" filter="wipe(down)">
+                                      <p:cBhvr>
+                                        <p:cTn id="18" dur="500"/>
+                                        <p:tgtEl>
+                                          <p:spTgt spid="3">
+                                            <p:txEl>
+                                              <p:pRg st="2" end="2"/>
+                                            </p:txEl>
+                                          </p:spTgt>
+                                        </p:tgtEl>
+                                      </p:cBhvr>
+                                    </p:animEffect>
+                                  </p:childTnLst>
+                                </p:cTn>
+                              </p:par>
+                              <p:par>
+                                <p:cTn id="19" presetID="22" presetClass="entr" presetSubtype="4" fill="hold" nodeType="withEffect">
+                                  <p:stCondLst>
+                                    <p:cond delay="0"/>
+                                  </p:stCondLst>
+                                  <p:childTnLst>
+                                    <p:set>
+                                      <p:cBhvr>
+                                        <p:cTn id="20" dur="1" fill="hold">
+                                          <p:stCondLst>
+                                            <p:cond delay="0"/>
+                                          </p:stCondLst>
+                                        </p:cTn>
+                                        <p:tgtEl>
+                                          <p:spTgt spid="3">
+                                            <p:txEl>
+                                              <p:pRg st="3" end="3"/>
+                                            </p:txEl>
+                                          </p:spTgt>
+                                        </p:tgtEl>
+                                        <p:attrNameLst>
+                                          <p:attrName>style.visibility</p:attrName>
+                                        </p:attrNameLst>
+                                      </p:cBhvr>
+                                      <p:to>
+                                        <p:strVal val="visible"/>
+                                      </p:to>
+                                    </p:set>
+                                    <p:animEffect transition="in" filter="wipe(down)">
+                                      <p:cBhvr>
+                                        <p:cTn id="21" dur="500"/>
+                                        <p:tgtEl>
+                                          <p:spTgt spid="3">
+                                            <p:txEl>
+                                              <p:pRg st="3" end="3"/>
+                                            </p:txEl>
+                                          </p:spTgt>
+                                        </p:tgtEl>
+                                      </p:cBhvr>
+                                    </p:animEffect>
+                                  </p:childTnLst>
+                                </p:cTn>
+                              </p:par>
+                              <p:par>
+                                <p:cTn id="22" presetID="22" presetClass="entr" presetSubtype="4" fill="hold" nodeType="withEffect">
+                                  <p:stCondLst>
+                                    <p:cond delay="0"/>
+                                  </p:stCondLst>
+                                  <p:childTnLst>
+                                    <p:set>
+                                      <p:cBhvr>
+                                        <p:cTn id="23" dur="1" fill="hold">
+                                          <p:stCondLst>
+                                            <p:cond delay="0"/>
+                                          </p:stCondLst>
+                                        </p:cTn>
+                                        <p:tgtEl>
+                                          <p:spTgt spid="3">
+                                            <p:txEl>
+                                              <p:pRg st="4" end="4"/>
+                                            </p:txEl>
+                                          </p:spTgt>
+                                        </p:tgtEl>
+                                        <p:attrNameLst>
+                                          <p:attrName>style.visibility</p:attrName>
+                                        </p:attrNameLst>
+                                      </p:cBhvr>
+                                      <p:to>
+                                        <p:strVal val="visible"/>
+                                      </p:to>
+                                    </p:set>
+                                    <p:animEffect transition="in" filter="wipe(down)">
+                                      <p:cBhvr>
+                                        <p:cTn id="24" dur="500"/>
+                                        <p:tgtEl>
+                                          <p:spTgt spid="3">
+                                            <p:txEl>
+                                              <p:pRg st="4" end="4"/>
+                                            </p:txEl>
+                                          </p:spTgt>
+                                        </p:tgtEl>
+                                      </p:cBhvr>
+                                    </p:animEffect>
+                                  </p:childTnLst>
+                                </p:cTn>
+                              </p:par>
+                              <p:par>
+                                <p:cTn id="25" presetID="22" presetClass="entr" presetSubtype="4" fill="hold" nodeType="withEffect">
+                                  <p:stCondLst>
+                                    <p:cond delay="0"/>
+                                  </p:stCondLst>
+                                  <p:childTnLst>
+                                    <p:set>
+                                      <p:cBhvr>
+                                        <p:cTn id="26" dur="1" fill="hold">
+                                          <p:stCondLst>
+                                            <p:cond delay="0"/>
+                                          </p:stCondLst>
+                                        </p:cTn>
+                                        <p:tgtEl>
+                                          <p:spTgt spid="3">
+                                            <p:txEl>
+                                              <p:pRg st="5" end="5"/>
+                                            </p:txEl>
+                                          </p:spTgt>
+                                        </p:tgtEl>
+                                        <p:attrNameLst>
+                                          <p:attrName>style.visibility</p:attrName>
+                                        </p:attrNameLst>
+                                      </p:cBhvr>
+                                      <p:to>
+                                        <p:strVal val="visible"/>
+                                      </p:to>
+                                    </p:set>
+                                    <p:animEffect transition="in" filter="wipe(down)">
+                                      <p:cBhvr>
+                                        <p:cTn id="27" dur="500"/>
+                                        <p:tgtEl>
+                                          <p:spTgt spid="3">
+                                            <p:txEl>
+                                              <p:pRg st="5" end="5"/>
+                                            </p:txEl>
+                                          </p:spTgt>
+                                        </p:tgtEl>
+                                      </p:cBhvr>
+                                    </p:animEffect>
+                                  </p:childTnLst>
+                                </p:cTn>
+                              </p:par>
+                              <p:par>
+                                <p:cTn id="28" presetID="22" presetClass="entr" presetSubtype="4" fill="hold" nodeType="withEffect">
+                                  <p:stCondLst>
+                                    <p:cond delay="0"/>
+                                  </p:stCondLst>
+                                  <p:childTnLst>
+                                    <p:set>
+                                      <p:cBhvr>
+                                        <p:cTn id="29" dur="1" fill="hold">
+                                          <p:stCondLst>
+                                            <p:cond delay="0"/>
+                                          </p:stCondLst>
+                                        </p:cTn>
+                                        <p:tgtEl>
+                                          <p:spTgt spid="3">
+                                            <p:txEl>
+                                              <p:pRg st="6" end="6"/>
+                                            </p:txEl>
+                                          </p:spTgt>
+                                        </p:tgtEl>
+                                        <p:attrNameLst>
+                                          <p:attrName>style.visibility</p:attrName>
+                                        </p:attrNameLst>
+                                      </p:cBhvr>
+                                      <p:to>
+                                        <p:strVal val="visible"/>
+                                      </p:to>
+                                    </p:set>
+                                    <p:animEffect transition="in" filter="wipe(down)">
+                                      <p:cBhvr>
+                                        <p:cTn id="30" dur="500"/>
+                                        <p:tgtEl>
+                                          <p:spTgt spid="3">
+                                            <p:txEl>
+                                              <p:pRg st="6" end="6"/>
+                                            </p:txEl>
+                                          </p:spTgt>
+                                        </p:tgtEl>
+                                      </p:cBhvr>
+                                    </p:animEffect>
+                                  </p:childTnLst>
+                                </p:cTn>
+                              </p:par>
+                            </p:childTnLst>
+                          </p:cTn>
+                        </p:par>
+                      </p:childTnLst>
+                    </p:cTn>
+                  </p:par>
+                </p:childTnLst>
+              </p:cTn>
+              <p:prevCondLst>
+                <p:cond evt="onPrev" delay="0">
+                  <p:tgtEl>
+                    <p:sldTgt/>
+                  </p:tgtEl>
+                </p:cond>
+              </p:prevCondLst>
+              <p:nextCondLst>
+                <p:cond evt="onNext" delay="0">
+                  <p:tgtEl>
+                    <p:sldTgt/>
+                  </p:tgtEl>
+                </p:cond>
+              </p:nextCondLst>
+            </p:seq>
+          </p:childTnLst>
+        </p:cTn>
+      </p:par>
+    </p:tnLst>
+    <p:bldLst>
+      <p:bldP spid="2" grpId="0"/>
+    </p:bldLst>
+  </p:timing>
+</p:sld>
+</file>
+
 <file path=ppt/slides/slide2.xml><?xml version="1.0" encoding="utf-8"?>
 <p:sld xmlns:a="http://schemas.openxmlformats.org/drawingml/2006/main" xmlns:r="http://schemas.openxmlformats.org/officeDocument/2006/relationships" xmlns:p="http://schemas.openxmlformats.org/presentationml/2006/main">
   <p:cSld>
@@ -6179,7 +6856,7 @@
           <a:p>
             <a:r>
               <a:rPr lang="en-US" dirty="0"/>
-              <a:t>Customize your search based on any location in the US</a:t>
+              <a:t>Customize your search based on any location in the world</a:t>
             </a:r>
           </a:p>
           <a:p>
@@ -6944,7 +7621,7 @@
           <p:cNvPr id="2" name="Title 1">
             <a:extLst>
               <a:ext uri="{FF2B5EF4-FFF2-40B4-BE49-F238E27FC236}">
-                <a16:creationId xmlns:a16="http://schemas.microsoft.com/office/drawing/2014/main" id="{4676A83F-4BF8-8FBF-42BC-DC6F9770FE06}"/>
+                <a16:creationId xmlns:a16="http://schemas.microsoft.com/office/drawing/2014/main" id="{233A1724-3F8B-784F-F086-20E858F10EED}"/>
               </a:ext>
             </a:extLst>
           </p:cNvPr>
@@ -6955,47 +7632,69 @@
             <p:ph type="title"/>
           </p:nvPr>
         </p:nvSpPr>
-        <p:spPr/>
+        <p:spPr>
+          <a:xfrm>
+            <a:off x="4717772" y="1935202"/>
+            <a:ext cx="2123661" cy="1293028"/>
+          </a:xfrm>
+        </p:spPr>
         <p:txBody>
           <a:bodyPr/>
           <a:lstStyle/>
           <a:p>
             <a:r>
               <a:rPr lang="en-US" dirty="0"/>
-              <a:t>Alex Lin</a:t>
-            </a:r>
-          </a:p>
-        </p:txBody>
-      </p:sp>
-      <p:sp>
-        <p:nvSpPr>
-          <p:cNvPr id="3" name="Content Placeholder 2">
+              <a:t>Demo</a:t>
+            </a:r>
+          </a:p>
+        </p:txBody>
+      </p:sp>
+      <p:sp>
+        <p:nvSpPr>
+          <p:cNvPr id="4" name="TextBox 3">
             <a:extLst>
               <a:ext uri="{FF2B5EF4-FFF2-40B4-BE49-F238E27FC236}">
-                <a16:creationId xmlns:a16="http://schemas.microsoft.com/office/drawing/2014/main" id="{0D728F14-1B0D-359B-725D-27324D412BE5}"/>
+                <a16:creationId xmlns:a16="http://schemas.microsoft.com/office/drawing/2014/main" id="{E8858F95-F407-7F02-582C-906CED857658}"/>
               </a:ext>
             </a:extLst>
           </p:cNvPr>
-          <p:cNvSpPr>
-            <a:spLocks noGrp="1"/>
-          </p:cNvSpPr>
-          <p:nvPr>
-            <p:ph idx="1"/>
-          </p:nvPr>
-        </p:nvSpPr>
-        <p:spPr/>
-        <p:txBody>
-          <a:bodyPr/>
-          <a:lstStyle/>
-          <a:p>
-            <a:endParaRPr lang="en-US"/>
+          <p:cNvSpPr txBox="1"/>
+          <p:nvPr/>
+        </p:nvSpPr>
+        <p:spPr>
+          <a:xfrm>
+            <a:off x="3657598" y="3218953"/>
+            <a:ext cx="4352474" cy="461665"/>
+          </a:xfrm>
+          <a:prstGeom prst="rect">
+            <a:avLst/>
+          </a:prstGeom>
+          <a:noFill/>
+        </p:spPr>
+        <p:txBody>
+          <a:bodyPr wrap="none" rtlCol="0">
+            <a:spAutoFit/>
+          </a:bodyPr>
+          <a:lstStyle/>
+          <a:p>
+            <a:r>
+              <a:rPr lang="en-US" sz="2400" dirty="0"/>
+              <a:t>Visit </a:t>
+            </a:r>
+            <a:r>
+              <a:rPr lang="en-US" sz="2400" dirty="0">
+                <a:hlinkClick r:id="rId2"/>
+              </a:rPr>
+              <a:t>HabitationHotSpot.com</a:t>
+            </a:r>
+            <a:endParaRPr lang="en-US" sz="2400" dirty="0"/>
           </a:p>
         </p:txBody>
       </p:sp>
     </p:spTree>
     <p:extLst>
       <p:ext uri="{BB962C8B-B14F-4D97-AF65-F5344CB8AC3E}">
-        <p14:creationId xmlns:p14="http://schemas.microsoft.com/office/powerpoint/2010/main" val="255293181"/>
+        <p14:creationId xmlns:p14="http://schemas.microsoft.com/office/powerpoint/2010/main" val="484319573"/>
       </p:ext>
     </p:extLst>
   </p:cSld>
@@ -7027,7 +7726,7 @@
           <p:cNvPr id="2" name="Title 1">
             <a:extLst>
               <a:ext uri="{FF2B5EF4-FFF2-40B4-BE49-F238E27FC236}">
-                <a16:creationId xmlns:a16="http://schemas.microsoft.com/office/drawing/2014/main" id="{CB55A3B7-B9C5-4F67-3B99-A4750C83CB39}"/>
+                <a16:creationId xmlns:a16="http://schemas.microsoft.com/office/drawing/2014/main" id="{4676A83F-4BF8-8FBF-42BC-DC6F9770FE06}"/>
               </a:ext>
             </a:extLst>
           </p:cNvPr>
@@ -7045,7 +7744,7 @@
           <a:p>
             <a:r>
               <a:rPr lang="en-US" dirty="0"/>
-              <a:t>Trevor Dent</a:t>
+              <a:t>Alex Lin</a:t>
             </a:r>
           </a:p>
         </p:txBody>
@@ -7055,7 +7754,7 @@
           <p:cNvPr id="3" name="Content Placeholder 2">
             <a:extLst>
               <a:ext uri="{FF2B5EF4-FFF2-40B4-BE49-F238E27FC236}">
-                <a16:creationId xmlns:a16="http://schemas.microsoft.com/office/drawing/2014/main" id="{3B66BAD1-E4A4-8712-0089-3657A99AB5B7}"/>
+                <a16:creationId xmlns:a16="http://schemas.microsoft.com/office/drawing/2014/main" id="{0D728F14-1B0D-359B-725D-27324D412BE5}"/>
               </a:ext>
             </a:extLst>
           </p:cNvPr>
@@ -7071,14 +7770,72 @@
           <a:bodyPr/>
           <a:lstStyle/>
           <a:p>
-            <a:endParaRPr lang="en-US"/>
+            <a:r>
+              <a:rPr lang="en-US" dirty="0"/>
+              <a:t>Site framework</a:t>
+            </a:r>
+          </a:p>
+          <a:p>
+            <a:r>
+              <a:rPr lang="en-US" dirty="0"/>
+              <a:t>HTML layout</a:t>
+            </a:r>
+          </a:p>
+          <a:p>
+            <a:r>
+              <a:rPr lang="en-US" dirty="0"/>
+              <a:t>Site formatting and styling with CSS</a:t>
+            </a:r>
+          </a:p>
+          <a:p>
+            <a:r>
+              <a:rPr lang="en-US" dirty="0"/>
+              <a:t>Issue Assignment through </a:t>
+            </a:r>
+            <a:r>
+              <a:rPr lang="en-US" dirty="0" err="1"/>
+              <a:t>Github</a:t>
+            </a:r>
+            <a:endParaRPr lang="en-US" dirty="0"/>
+          </a:p>
+          <a:p>
+            <a:r>
+              <a:rPr lang="en-US" dirty="0"/>
+              <a:t>“simple solution” – Refresh button (</a:t>
+            </a:r>
+            <a:r>
+              <a:rPr lang="en-US" dirty="0" err="1"/>
+              <a:t>mvp</a:t>
+            </a:r>
+            <a:r>
+              <a:rPr lang="en-US" dirty="0"/>
+              <a:t>)</a:t>
+            </a:r>
+          </a:p>
+          <a:p>
+            <a:r>
+              <a:rPr lang="en-US" dirty="0"/>
+              <a:t>Researching and adding radius bar to the site (slider)</a:t>
+            </a:r>
+          </a:p>
+          <a:p>
+            <a:endParaRPr lang="en-US" dirty="0"/>
+          </a:p>
+          <a:p>
+            <a:endParaRPr lang="en-US" dirty="0"/>
+          </a:p>
+          <a:p>
+            <a:endParaRPr lang="en-US" dirty="0"/>
+          </a:p>
+          <a:p>
+            <a:endParaRPr lang="en-US" dirty="0"/>
           </a:p>
         </p:txBody>
       </p:sp>
     </p:spTree>
     <p:extLst>
       <p:ext uri="{BB962C8B-B14F-4D97-AF65-F5344CB8AC3E}">
-        <p14:creationId xmlns:p14="http://schemas.microsoft.com/office/powerpoint/2010/main" val="1955102937"/>
+        <p14:creationId xmlns:p14="http://schemas.microsoft.com/office/powerpoint/2010/main" val="255293181"/>
       </p:ext>
     </p:extLst>
   </p:cSld>
@@ -7110,7 +7867,7 @@
           <p:cNvPr id="2" name="Title 1">
             <a:extLst>
               <a:ext uri="{FF2B5EF4-FFF2-40B4-BE49-F238E27FC236}">
-                <a16:creationId xmlns:a16="http://schemas.microsoft.com/office/drawing/2014/main" id="{A57FBD85-CE57-0243-FFD0-6CF563953C68}"/>
+                <a16:creationId xmlns:a16="http://schemas.microsoft.com/office/drawing/2014/main" id="{CB55A3B7-B9C5-4F67-3B99-A4750C83CB39}"/>
               </a:ext>
             </a:extLst>
           </p:cNvPr>
@@ -7128,7 +7885,7 @@
           <a:p>
             <a:r>
               <a:rPr lang="en-US" dirty="0"/>
-              <a:t>Zach Schneider </a:t>
+              <a:t>Trevor Dent</a:t>
             </a:r>
           </a:p>
         </p:txBody>
@@ -7138,7 +7895,7 @@
           <p:cNvPr id="3" name="Content Placeholder 2">
             <a:extLst>
               <a:ext uri="{FF2B5EF4-FFF2-40B4-BE49-F238E27FC236}">
-                <a16:creationId xmlns:a16="http://schemas.microsoft.com/office/drawing/2014/main" id="{A5D959FD-591D-25B6-D512-FC3F691E835D}"/>
+                <a16:creationId xmlns:a16="http://schemas.microsoft.com/office/drawing/2014/main" id="{3B66BAD1-E4A4-8712-0089-3657A99AB5B7}"/>
               </a:ext>
             </a:extLst>
           </p:cNvPr>
@@ -7154,14 +7911,60 @@
           <a:bodyPr/>
           <a:lstStyle/>
           <a:p>
-            <a:endParaRPr lang="en-US"/>
+            <a:r>
+              <a:rPr lang="en-US" dirty="0"/>
+              <a:t>Linking our first API – google maps</a:t>
+            </a:r>
+          </a:p>
+          <a:p>
+            <a:r>
+              <a:rPr lang="en-US" dirty="0"/>
+              <a:t>-</a:t>
+            </a:r>
+            <a:r>
+              <a:rPr lang="en-US" dirty="0" err="1"/>
+              <a:t>Javascript</a:t>
+            </a:r>
+            <a:r>
+              <a:rPr lang="en-US" dirty="0"/>
+              <a:t> code linking API information to the page</a:t>
+            </a:r>
+          </a:p>
+          <a:p>
+            <a:r>
+              <a:rPr lang="en-US" dirty="0"/>
+              <a:t>“Enter button issue” – </a:t>
+            </a:r>
+            <a:r>
+              <a:rPr lang="en-US" dirty="0" err="1"/>
+              <a:t>javascript</a:t>
+            </a:r>
+            <a:r>
+              <a:rPr lang="en-US" dirty="0"/>
+              <a:t> code to allow a user to press “enter” instead of the search button to allow a search to populate</a:t>
+            </a:r>
+          </a:p>
+          <a:p>
+            <a:r>
+              <a:rPr lang="en-US" dirty="0"/>
+              <a:t>Cleaning our code up</a:t>
+            </a:r>
+          </a:p>
+          <a:p>
+            <a:r>
+              <a:rPr lang="en-US" dirty="0"/>
+              <a:t>Moving to Florida during a category 5 hurricane </a:t>
+            </a:r>
+          </a:p>
+          <a:p>
+            <a:endParaRPr lang="en-US" dirty="0"/>
           </a:p>
         </p:txBody>
       </p:sp>
     </p:spTree>
     <p:extLst>
       <p:ext uri="{BB962C8B-B14F-4D97-AF65-F5344CB8AC3E}">
-        <p14:creationId xmlns:p14="http://schemas.microsoft.com/office/powerpoint/2010/main" val="3203462879"/>
+        <p14:creationId xmlns:p14="http://schemas.microsoft.com/office/powerpoint/2010/main" val="1955102937"/>
       </p:ext>
     </p:extLst>
   </p:cSld>
@@ -7193,7 +7996,7 @@
           <p:cNvPr id="2" name="Title 1">
             <a:extLst>
               <a:ext uri="{FF2B5EF4-FFF2-40B4-BE49-F238E27FC236}">
-                <a16:creationId xmlns:a16="http://schemas.microsoft.com/office/drawing/2014/main" id="{62F63C42-A8BC-AD0D-DFB4-D34B704794D3}"/>
+                <a16:creationId xmlns:a16="http://schemas.microsoft.com/office/drawing/2014/main" id="{A57FBD85-CE57-0243-FFD0-6CF563953C68}"/>
               </a:ext>
             </a:extLst>
           </p:cNvPr>
@@ -7211,13 +8014,8 @@
           <a:p>
             <a:r>
               <a:rPr lang="en-US" dirty="0"/>
-              <a:t>Troy </a:t>
-            </a:r>
-            <a:r>
-              <a:rPr lang="en-US" dirty="0" err="1"/>
-              <a:t>morgan</a:t>
-            </a:r>
-            <a:endParaRPr lang="en-US" dirty="0"/>
+              <a:t>Zach Schneider </a:t>
+            </a:r>
           </a:p>
         </p:txBody>
       </p:sp>
@@ -7226,7 +8024,7 @@
           <p:cNvPr id="3" name="Content Placeholder 2">
             <a:extLst>
               <a:ext uri="{FF2B5EF4-FFF2-40B4-BE49-F238E27FC236}">
-                <a16:creationId xmlns:a16="http://schemas.microsoft.com/office/drawing/2014/main" id="{FC46EE9F-3C30-EF29-4ED4-980B281E3D50}"/>
+                <a16:creationId xmlns:a16="http://schemas.microsoft.com/office/drawing/2014/main" id="{A5D959FD-591D-25B6-D512-FC3F691E835D}"/>
               </a:ext>
             </a:extLst>
           </p:cNvPr>
@@ -7242,14 +8040,51 @@
           <a:bodyPr/>
           <a:lstStyle/>
           <a:p>
-            <a:endParaRPr lang="en-US"/>
+            <a:r>
+              <a:rPr lang="en-US" dirty="0" err="1"/>
+              <a:t>Github</a:t>
+            </a:r>
+            <a:r>
+              <a:rPr lang="en-US" dirty="0"/>
+              <a:t> central control: monitored </a:t>
+            </a:r>
+            <a:r>
+              <a:rPr lang="en-US" dirty="0" err="1"/>
+              <a:t>github</a:t>
+            </a:r>
+            <a:r>
+              <a:rPr lang="en-US" dirty="0"/>
+              <a:t> push reviews</a:t>
+            </a:r>
+          </a:p>
+          <a:p>
+            <a:r>
+              <a:rPr lang="en-US" dirty="0"/>
+              <a:t>Linked our second API: google search</a:t>
+            </a:r>
+          </a:p>
+          <a:p>
+            <a:r>
+              <a:rPr lang="en-US" dirty="0" err="1"/>
+              <a:t>Javascript</a:t>
+            </a:r>
+            <a:r>
+              <a:rPr lang="en-US" dirty="0"/>
+              <a:t> code to have our targeted results populated from the search to display on our web page </a:t>
+            </a:r>
+          </a:p>
+          <a:p>
+            <a:r>
+              <a:rPr lang="en-US" dirty="0"/>
+              <a:t>Local storage: have our results store locally through the web page</a:t>
+            </a:r>
           </a:p>
         </p:txBody>
       </p:sp>
     </p:spTree>
     <p:extLst>
       <p:ext uri="{BB962C8B-B14F-4D97-AF65-F5344CB8AC3E}">
-        <p14:creationId xmlns:p14="http://schemas.microsoft.com/office/powerpoint/2010/main" val="320692422"/>
+        <p14:creationId xmlns:p14="http://schemas.microsoft.com/office/powerpoint/2010/main" val="3203462879"/>
       </p:ext>
     </p:extLst>
   </p:cSld>
@@ -7281,7 +8116,7 @@
           <p:cNvPr id="2" name="Title 1">
             <a:extLst>
               <a:ext uri="{FF2B5EF4-FFF2-40B4-BE49-F238E27FC236}">
-                <a16:creationId xmlns:a16="http://schemas.microsoft.com/office/drawing/2014/main" id="{9CDA4875-FFF4-004E-812C-CCB19A3B9626}"/>
+                <a16:creationId xmlns:a16="http://schemas.microsoft.com/office/drawing/2014/main" id="{62F63C42-A8BC-AD0D-DFB4-D34B704794D3}"/>
               </a:ext>
             </a:extLst>
           </p:cNvPr>
@@ -7299,11 +8134,11 @@
           <a:p>
             <a:r>
               <a:rPr lang="en-US" dirty="0"/>
-              <a:t>Josh </a:t>
+              <a:t>Troy </a:t>
             </a:r>
             <a:r>
               <a:rPr lang="en-US" dirty="0" err="1"/>
-              <a:t>adam</a:t>
+              <a:t>morgan</a:t>
             </a:r>
             <a:endParaRPr lang="en-US" dirty="0"/>
           </a:p>
@@ -7314,7 +8149,7 @@
           <p:cNvPr id="3" name="Content Placeholder 2">
             <a:extLst>
               <a:ext uri="{FF2B5EF4-FFF2-40B4-BE49-F238E27FC236}">
-                <a16:creationId xmlns:a16="http://schemas.microsoft.com/office/drawing/2014/main" id="{B4E885E7-1072-656C-FD63-DF9279E47526}"/>
+                <a16:creationId xmlns:a16="http://schemas.microsoft.com/office/drawing/2014/main" id="{FC46EE9F-3C30-EF29-4ED4-980B281E3D50}"/>
               </a:ext>
             </a:extLst>
           </p:cNvPr>
@@ -7330,14 +8165,58 @@
           <a:bodyPr/>
           <a:lstStyle/>
           <a:p>
-            <a:endParaRPr lang="en-US"/>
+            <a:r>
+              <a:rPr lang="en-US" dirty="0"/>
+              <a:t>Logo Design and implementation</a:t>
+            </a:r>
+          </a:p>
+          <a:p>
+            <a:r>
+              <a:rPr lang="en-US" dirty="0"/>
+              <a:t>HTML formatting and framework</a:t>
+            </a:r>
+          </a:p>
+          <a:p>
+            <a:r>
+              <a:rPr lang="en-US" dirty="0"/>
+              <a:t>CSS design for specific HTML targets (search bar, results list, amenities list)</a:t>
+            </a:r>
+          </a:p>
+          <a:p>
+            <a:r>
+              <a:rPr lang="en-US" dirty="0"/>
+              <a:t>Formatting radius bar (slider)</a:t>
+            </a:r>
+          </a:p>
+          <a:p>
+            <a:r>
+              <a:rPr lang="en-US" dirty="0"/>
+              <a:t>Researched </a:t>
+            </a:r>
+            <a:r>
+              <a:rPr lang="en-US" dirty="0" err="1"/>
+              <a:t>Javascript</a:t>
+            </a:r>
+            <a:r>
+              <a:rPr lang="en-US" dirty="0"/>
+              <a:t>, assisting with implementing APIs on the site and configuring local storage</a:t>
+            </a:r>
+          </a:p>
+          <a:p>
+            <a:endParaRPr lang="en-US" dirty="0"/>
+          </a:p>
+          <a:p>
+            <a:endParaRPr lang="en-US" dirty="0"/>
+          </a:p>
+          <a:p>
+            <a:endParaRPr lang="en-US" dirty="0"/>
           </a:p>
         </p:txBody>
       </p:sp>
     </p:spTree>
     <p:extLst>
       <p:ext uri="{BB962C8B-B14F-4D97-AF65-F5344CB8AC3E}">
-        <p14:creationId xmlns:p14="http://schemas.microsoft.com/office/powerpoint/2010/main" val="1667751187"/>
+        <p14:creationId xmlns:p14="http://schemas.microsoft.com/office/powerpoint/2010/main" val="320692422"/>
       </p:ext>
     </p:extLst>
   </p:cSld>
@@ -7369,7 +8248,7 @@
           <p:cNvPr id="2" name="Title 1">
             <a:extLst>
               <a:ext uri="{FF2B5EF4-FFF2-40B4-BE49-F238E27FC236}">
-                <a16:creationId xmlns:a16="http://schemas.microsoft.com/office/drawing/2014/main" id="{0A3502AC-0EE0-53DA-E866-2FAF2903AB0D}"/>
+                <a16:creationId xmlns:a16="http://schemas.microsoft.com/office/drawing/2014/main" id="{9CDA4875-FFF4-004E-812C-CCB19A3B9626}"/>
               </a:ext>
             </a:extLst>
           </p:cNvPr>
@@ -7385,7 +8264,15 @@
           <a:bodyPr/>
           <a:lstStyle/>
           <a:p>
-            <a:endParaRPr lang="en-US"/>
+            <a:r>
+              <a:rPr lang="en-US" dirty="0"/>
+              <a:t>Josh </a:t>
+            </a:r>
+            <a:r>
+              <a:rPr lang="en-US" dirty="0" err="1"/>
+              <a:t>adam</a:t>
+            </a:r>
+            <a:endParaRPr lang="en-US" dirty="0"/>
           </a:p>
         </p:txBody>
       </p:sp>
@@ -7394,7 +8281,7 @@
           <p:cNvPr id="3" name="Content Placeholder 2">
             <a:extLst>
               <a:ext uri="{FF2B5EF4-FFF2-40B4-BE49-F238E27FC236}">
-                <a16:creationId xmlns:a16="http://schemas.microsoft.com/office/drawing/2014/main" id="{DA65FAAB-5A5C-8A44-946F-DC1C46B71E07}"/>
+                <a16:creationId xmlns:a16="http://schemas.microsoft.com/office/drawing/2014/main" id="{B4E885E7-1072-656C-FD63-DF9279E47526}"/>
               </a:ext>
             </a:extLst>
           </p:cNvPr>
@@ -7410,14 +8297,79 @@
           <a:bodyPr/>
           <a:lstStyle/>
           <a:p>
-            <a:endParaRPr lang="en-US"/>
+            <a:r>
+              <a:rPr lang="en-US" dirty="0"/>
+              <a:t>HTML formatting and framework</a:t>
+            </a:r>
+          </a:p>
+          <a:p>
+            <a:r>
+              <a:rPr lang="en-US" dirty="0"/>
+              <a:t>Wireframe Design, blueprint for the website </a:t>
+            </a:r>
+          </a:p>
+          <a:p>
+            <a:r>
+              <a:rPr lang="en-US" dirty="0"/>
+              <a:t>Background Image and attachment through CSS</a:t>
+            </a:r>
+          </a:p>
+          <a:p>
+            <a:r>
+              <a:rPr lang="en-US" dirty="0" err="1"/>
+              <a:t>Javascript</a:t>
+            </a:r>
+            <a:r>
+              <a:rPr lang="en-US" dirty="0"/>
+              <a:t> research and implementation: working with team on writing our code, “enter” button issue, local storage</a:t>
+            </a:r>
+          </a:p>
+          <a:p>
+            <a:r>
+              <a:rPr lang="en-US" dirty="0"/>
+              <a:t>Finding available domain name and securing it</a:t>
+            </a:r>
+          </a:p>
+          <a:p>
+            <a:r>
+              <a:rPr lang="en-US" dirty="0"/>
+              <a:t>Linking domain through </a:t>
+            </a:r>
+            <a:r>
+              <a:rPr lang="en-US" dirty="0" err="1"/>
+              <a:t>godaddy</a:t>
+            </a:r>
+            <a:r>
+              <a:rPr lang="en-US" dirty="0"/>
+              <a:t> with proper IP addresses (</a:t>
+            </a:r>
+            <a:r>
+              <a:rPr lang="en-US" dirty="0" err="1"/>
+              <a:t>github</a:t>
+            </a:r>
+            <a:r>
+              <a:rPr lang="en-US" dirty="0"/>
+              <a:t> pages)</a:t>
+            </a:r>
+          </a:p>
+          <a:p>
+            <a:r>
+              <a:rPr lang="en-US" dirty="0"/>
+              <a:t>Presentation Outline/PP</a:t>
+            </a:r>
+          </a:p>
+          <a:p>
+            <a:r>
+              <a:rPr lang="en-US" dirty="0"/>
+              <a:t>README</a:t>
+            </a:r>
           </a:p>
         </p:txBody>
       </p:sp>
     </p:spTree>
     <p:extLst>
       <p:ext uri="{BB962C8B-B14F-4D97-AF65-F5344CB8AC3E}">
-        <p14:creationId xmlns:p14="http://schemas.microsoft.com/office/powerpoint/2010/main" val="170606747"/>
+        <p14:creationId xmlns:p14="http://schemas.microsoft.com/office/powerpoint/2010/main" val="1667751187"/>
       </p:ext>
     </p:extLst>
   </p:cSld>

--- a/media/Project-1.pptx
+++ b/media/Project-1.pptx
@@ -7663,7 +7663,7 @@
         </p:nvSpPr>
         <p:spPr>
           <a:xfrm>
-            <a:off x="3657598" y="3218953"/>
+            <a:off x="3603365" y="3198167"/>
             <a:ext cx="4352474" cy="461665"/>
           </a:xfrm>
           <a:prstGeom prst="rect">
@@ -7790,26 +7790,13 @@
           <a:p>
             <a:r>
               <a:rPr lang="en-US" dirty="0"/>
-              <a:t>Issue Assignment through </a:t>
-            </a:r>
-            <a:r>
-              <a:rPr lang="en-US" dirty="0" err="1"/>
-              <a:t>Github</a:t>
-            </a:r>
-            <a:endParaRPr lang="en-US" dirty="0"/>
+              <a:t>Issue Assignment through GitHub</a:t>
+            </a:r>
           </a:p>
           <a:p>
             <a:r>
               <a:rPr lang="en-US" dirty="0"/>
-              <a:t>“simple solution” – Refresh button (</a:t>
-            </a:r>
-            <a:r>
-              <a:rPr lang="en-US" dirty="0" err="1"/>
-              <a:t>mvp</a:t>
-            </a:r>
-            <a:r>
-              <a:rPr lang="en-US" dirty="0"/>
-              <a:t>)</a:t>
+              <a:t>“simple solution” – Refresh button (MVP)</a:t>
             </a:r>
           </a:p>
           <a:p>
